--- a/materials/02_Theory.pptx
+++ b/materials/02_Theory.pptx
@@ -5,7 +5,7 @@
     <p:sldMasterId id="2147483648" r:id="rId4"/>
   </p:sldMasterIdLst>
   <p:notesMasterIdLst>
-    <p:notesMasterId r:id="rId36"/>
+    <p:notesMasterId r:id="rId37"/>
   </p:notesMasterIdLst>
   <p:sldIdLst>
     <p:sldId id="1046" r:id="rId5"/>
@@ -38,7 +38,8 @@
     <p:sldId id="1081" r:id="rId32"/>
     <p:sldId id="1082" r:id="rId33"/>
     <p:sldId id="1085" r:id="rId34"/>
-    <p:sldId id="1079" r:id="rId35"/>
+    <p:sldId id="333" r:id="rId35"/>
+    <p:sldId id="1079" r:id="rId36"/>
   </p:sldIdLst>
   <p:sldSz cx="12192000" cy="6858000"/>
   <p:notesSz cx="6858000" cy="9144000"/>
@@ -503,6 +504,115 @@
     </a:lvl9pPr>
   </p:notesStyle>
 </p:notesMaster>
+</file>
+
+<file path=ppt/notesSlides/notesSlide1.xml><?xml version="1.0" encoding="utf-8"?>
+<p:notes xmlns:a="http://schemas.openxmlformats.org/drawingml/2006/main" xmlns:r="http://schemas.openxmlformats.org/officeDocument/2006/relationships" xmlns:p="http://schemas.openxmlformats.org/presentationml/2006/main" showMasterSp="0" showMasterPhAnim="0">
+  <p:cSld>
+    <p:spTree>
+      <p:nvGrpSpPr>
+        <p:cNvPr id="1" name="Shape 390"/>
+        <p:cNvGrpSpPr/>
+        <p:nvPr/>
+      </p:nvGrpSpPr>
+      <p:grpSpPr>
+        <a:xfrm>
+          <a:off x="0" y="0"/>
+          <a:ext cx="0" cy="0"/>
+          <a:chOff x="0" y="0"/>
+          <a:chExt cx="0" cy="0"/>
+        </a:xfrm>
+      </p:grpSpPr>
+      <p:sp>
+        <p:nvSpPr>
+          <p:cNvPr id="391" name="Google Shape;391;p33:notes"/>
+          <p:cNvSpPr txBox="1">
+            <a:spLocks noGrp="1"/>
+          </p:cNvSpPr>
+          <p:nvPr>
+            <p:ph type="body" idx="1"/>
+          </p:nvPr>
+        </p:nvSpPr>
+        <p:spPr>
+          <a:xfrm>
+            <a:off x="685800" y="4400550"/>
+            <a:ext cx="5486400" cy="3600450"/>
+          </a:xfrm>
+          <a:prstGeom prst="rect">
+            <a:avLst/>
+          </a:prstGeom>
+        </p:spPr>
+        <p:txBody>
+          <a:bodyPr spcFirstLastPara="1" wrap="square" lIns="91425" tIns="45700" rIns="91425" bIns="45700" anchor="t" anchorCtr="0">
+            <a:noAutofit/>
+          </a:bodyPr>
+          <a:lstStyle/>
+          <a:p>
+            <a:pPr marL="0" lvl="0" indent="0" algn="l" rtl="0">
+              <a:spcBef>
+                <a:spcPts val="0"/>
+              </a:spcBef>
+              <a:spcAft>
+                <a:spcPts val="0"/>
+              </a:spcAft>
+              <a:buNone/>
+            </a:pPr>
+            <a:endParaRPr dirty="0"/>
+          </a:p>
+        </p:txBody>
+      </p:sp>
+      <p:sp>
+        <p:nvSpPr>
+          <p:cNvPr id="392" name="Google Shape;392;p33:notes"/>
+          <p:cNvSpPr>
+            <a:spLocks noGrp="1" noRot="1" noChangeAspect="1"/>
+          </p:cNvSpPr>
+          <p:nvPr>
+            <p:ph type="sldImg" idx="2"/>
+          </p:nvPr>
+        </p:nvSpPr>
+        <p:spPr>
+          <a:xfrm>
+            <a:off x="685800" y="1143000"/>
+            <a:ext cx="5486400" cy="3086100"/>
+          </a:xfrm>
+          <a:custGeom>
+            <a:avLst/>
+            <a:gdLst/>
+            <a:ahLst/>
+            <a:cxnLst/>
+            <a:rect l="l" t="t" r="r" b="b"/>
+            <a:pathLst>
+              <a:path w="120000" h="120000" extrusionOk="0">
+                <a:moveTo>
+                  <a:pt x="0" y="0"/>
+                </a:moveTo>
+                <a:lnTo>
+                  <a:pt x="120000" y="0"/>
+                </a:lnTo>
+                <a:lnTo>
+                  <a:pt x="120000" y="120000"/>
+                </a:lnTo>
+                <a:lnTo>
+                  <a:pt x="0" y="120000"/>
+                </a:lnTo>
+                <a:close/>
+              </a:path>
+            </a:pathLst>
+          </a:custGeom>
+        </p:spPr>
+      </p:sp>
+    </p:spTree>
+    <p:extLst>
+      <p:ext uri="{BB962C8B-B14F-4D97-AF65-F5344CB8AC3E}">
+        <p14:creationId xmlns:p14="http://schemas.microsoft.com/office/powerpoint/2010/main" val="2193870303"/>
+      </p:ext>
+    </p:extLst>
+  </p:cSld>
+  <p:clrMapOvr>
+    <a:masterClrMapping/>
+  </p:clrMapOvr>
+</p:notes>
 </file>
 
 <file path=ppt/slideLayouts/slideLayout1.xml><?xml version="1.0" encoding="utf-8"?>
@@ -15163,6 +15273,628 @@
 </file>
 
 <file path=ppt/slides/slide31.xml><?xml version="1.0" encoding="utf-8"?>
+<p:sld xmlns:a="http://schemas.openxmlformats.org/drawingml/2006/main" xmlns:r="http://schemas.openxmlformats.org/officeDocument/2006/relationships" xmlns:p="http://schemas.openxmlformats.org/presentationml/2006/main">
+  <p:cSld>
+    <p:spTree>
+      <p:nvGrpSpPr>
+        <p:cNvPr id="1" name="Shape 393"/>
+        <p:cNvGrpSpPr/>
+        <p:nvPr/>
+      </p:nvGrpSpPr>
+      <p:grpSpPr>
+        <a:xfrm>
+          <a:off x="0" y="0"/>
+          <a:ext cx="0" cy="0"/>
+          <a:chOff x="0" y="0"/>
+          <a:chExt cx="0" cy="0"/>
+        </a:xfrm>
+      </p:grpSpPr>
+      <p:pic>
+        <p:nvPicPr>
+          <p:cNvPr id="4" name="Picture 3">
+            <a:extLst>
+              <a:ext uri="{FF2B5EF4-FFF2-40B4-BE49-F238E27FC236}">
+                <a16:creationId xmlns:a16="http://schemas.microsoft.com/office/drawing/2014/main" id="{3C09EC9A-6208-675A-C86F-822F79487673}"/>
+              </a:ext>
+            </a:extLst>
+          </p:cNvPr>
+          <p:cNvPicPr>
+            <a:picLocks noChangeAspect="1"/>
+          </p:cNvPicPr>
+          <p:nvPr/>
+        </p:nvPicPr>
+        <p:blipFill>
+          <a:blip r:embed="rId3"/>
+          <a:stretch>
+            <a:fillRect/>
+          </a:stretch>
+        </p:blipFill>
+        <p:spPr>
+          <a:xfrm>
+            <a:off x="5546984" y="1748075"/>
+            <a:ext cx="4858799" cy="3685276"/>
+          </a:xfrm>
+          <a:prstGeom prst="rect">
+            <a:avLst/>
+          </a:prstGeom>
+        </p:spPr>
+      </p:pic>
+      <p:sp>
+        <p:nvSpPr>
+          <p:cNvPr id="394" name="Google Shape;394;p33"/>
+          <p:cNvSpPr txBox="1">
+            <a:spLocks noGrp="1"/>
+          </p:cNvSpPr>
+          <p:nvPr>
+            <p:ph type="title"/>
+          </p:nvPr>
+        </p:nvSpPr>
+        <p:spPr>
+          <a:prstGeom prst="rect">
+            <a:avLst/>
+          </a:prstGeom>
+          <a:noFill/>
+          <a:ln>
+            <a:noFill/>
+          </a:ln>
+        </p:spPr>
+        <p:txBody>
+          <a:bodyPr spcFirstLastPara="1" wrap="square" lIns="0" tIns="0" rIns="0" bIns="0" anchor="ctr" anchorCtr="0">
+            <a:normAutofit/>
+          </a:bodyPr>
+          <a:lstStyle/>
+          <a:p>
+            <a:pPr marL="0" lvl="0" indent="0" algn="l" rtl="0">
+              <a:lnSpc>
+                <a:spcPct val="90000"/>
+              </a:lnSpc>
+              <a:spcBef>
+                <a:spcPts val="0"/>
+              </a:spcBef>
+              <a:spcAft>
+                <a:spcPts val="0"/>
+              </a:spcAft>
+              <a:buClr>
+                <a:srgbClr val="4E3629"/>
+              </a:buClr>
+              <a:buSzPts val="2800"/>
+              <a:buFont typeface="Georgia"/>
+              <a:buNone/>
+            </a:pPr>
+            <a:r>
+              <a:rPr lang="en-US" dirty="0"/>
+              <a:t>Duality with the Poisson counting process </a:t>
+            </a:r>
+            <a:endParaRPr dirty="0"/>
+          </a:p>
+        </p:txBody>
+      </p:sp>
+      <p:sp>
+        <p:nvSpPr>
+          <p:cNvPr id="3" name="TextBox 2">
+            <a:extLst>
+              <a:ext uri="{FF2B5EF4-FFF2-40B4-BE49-F238E27FC236}">
+                <a16:creationId xmlns:a16="http://schemas.microsoft.com/office/drawing/2014/main" id="{E7553169-3AD7-6C46-913F-65D5F3FD4DDE}"/>
+              </a:ext>
+            </a:extLst>
+          </p:cNvPr>
+          <p:cNvSpPr txBox="1"/>
+          <p:nvPr/>
+        </p:nvSpPr>
+        <p:spPr>
+          <a:xfrm>
+            <a:off x="1375718" y="2056972"/>
+            <a:ext cx="3368841" cy="1077218"/>
+          </a:xfrm>
+          <a:prstGeom prst="rect">
+            <a:avLst/>
+          </a:prstGeom>
+          <a:noFill/>
+        </p:spPr>
+        <p:txBody>
+          <a:bodyPr wrap="square" rtlCol="0">
+            <a:spAutoFit/>
+          </a:bodyPr>
+          <a:lstStyle/>
+          <a:p>
+            <a:r>
+              <a:rPr lang="en-US" sz="3200" dirty="0"/>
+              <a:t>Poisson </a:t>
+            </a:r>
+            <a:r>
+              <a:rPr lang="en-US" sz="3200" i="1" dirty="0">
+                <a:solidFill>
+                  <a:srgbClr val="FF0000"/>
+                </a:solidFill>
+              </a:rPr>
+              <a:t>counting process</a:t>
+            </a:r>
+          </a:p>
+        </p:txBody>
+      </p:sp>
+      <p:sp>
+        <p:nvSpPr>
+          <p:cNvPr id="13" name="TextBox 12">
+            <a:extLst>
+              <a:ext uri="{FF2B5EF4-FFF2-40B4-BE49-F238E27FC236}">
+                <a16:creationId xmlns:a16="http://schemas.microsoft.com/office/drawing/2014/main" id="{F220BB39-E3DC-424F-BA93-D910107A369A}"/>
+              </a:ext>
+            </a:extLst>
+          </p:cNvPr>
+          <p:cNvSpPr txBox="1"/>
+          <p:nvPr/>
+        </p:nvSpPr>
+        <p:spPr>
+          <a:xfrm>
+            <a:off x="5546984" y="5636387"/>
+            <a:ext cx="5018042" cy="584775"/>
+          </a:xfrm>
+          <a:prstGeom prst="rect">
+            <a:avLst/>
+          </a:prstGeom>
+          <a:noFill/>
+        </p:spPr>
+        <p:txBody>
+          <a:bodyPr wrap="square" rtlCol="0">
+            <a:spAutoFit/>
+          </a:bodyPr>
+          <a:lstStyle/>
+          <a:p>
+            <a:pPr algn="ctr"/>
+            <a:r>
+              <a:rPr lang="en-US" sz="3200" dirty="0"/>
+              <a:t>Poisson </a:t>
+            </a:r>
+            <a:r>
+              <a:rPr lang="en-US" sz="3200" i="1" dirty="0">
+                <a:solidFill>
+                  <a:srgbClr val="FF0000"/>
+                </a:solidFill>
+              </a:rPr>
+              <a:t>point process</a:t>
+            </a:r>
+          </a:p>
+        </p:txBody>
+      </p:sp>
+      <mc:AlternateContent xmlns:mc="http://schemas.openxmlformats.org/markup-compatibility/2006">
+        <mc:Choice xmlns:a14="http://schemas.microsoft.com/office/drawing/2010/main" Requires="a14">
+          <p:sp>
+            <p:nvSpPr>
+              <p:cNvPr id="8" name="TextBox 7">
+                <a:extLst>
+                  <a:ext uri="{FF2B5EF4-FFF2-40B4-BE49-F238E27FC236}">
+                    <a16:creationId xmlns:a16="http://schemas.microsoft.com/office/drawing/2014/main" id="{1DE63BFB-87E9-7236-C2E8-A854BC528EF0}"/>
+                  </a:ext>
+                </a:extLst>
+              </p:cNvPr>
+              <p:cNvSpPr txBox="1"/>
+              <p:nvPr/>
+            </p:nvSpPr>
+            <p:spPr>
+              <a:xfrm>
+                <a:off x="1375718" y="3212761"/>
+                <a:ext cx="2920406" cy="1015663"/>
+              </a:xfrm>
+              <a:prstGeom prst="rect">
+                <a:avLst/>
+              </a:prstGeom>
+              <a:noFill/>
+            </p:spPr>
+            <p:txBody>
+              <a:bodyPr wrap="square">
+                <a:spAutoFit/>
+              </a:bodyPr>
+              <a:lstStyle/>
+              <a:p>
+                <a:pPr/>
+                <a14:m>
+                  <m:oMathPara xmlns:m="http://schemas.openxmlformats.org/officeDocument/2006/math">
+                    <m:oMathParaPr>
+                      <m:jc m:val="left"/>
+                    </m:oMathParaPr>
+                    <m:oMath xmlns:m="http://schemas.openxmlformats.org/officeDocument/2006/math">
+                      <m:sSub>
+                        <m:sSubPr>
+                          <m:ctrlPr>
+                            <a:rPr lang="en-US" sz="2000" i="1" dirty="0" smtClean="0">
+                              <a:latin typeface="Cambria Math" panose="02040503050406030204" pitchFamily="18" charset="0"/>
+                            </a:rPr>
+                          </m:ctrlPr>
+                        </m:sSubPr>
+                        <m:e>
+                          <m:r>
+                            <a:rPr lang="en-US" sz="2000" i="1" dirty="0" smtClean="0">
+                              <a:latin typeface="Cambria Math" panose="02040503050406030204" pitchFamily="18" charset="0"/>
+                            </a:rPr>
+                            <m:t>𝑁</m:t>
+                          </m:r>
+                        </m:e>
+                        <m:sub>
+                          <m:r>
+                            <a:rPr lang="en-US" sz="2000" b="0" i="1" dirty="0" smtClean="0">
+                              <a:latin typeface="Cambria Math" panose="02040503050406030204" pitchFamily="18" charset="0"/>
+                            </a:rPr>
+                            <m:t>0</m:t>
+                          </m:r>
+                        </m:sub>
+                      </m:sSub>
+                      <m:r>
+                        <a:rPr lang="en-US" sz="2000" i="1" dirty="0" smtClean="0">
+                          <a:latin typeface="Cambria Math" panose="02040503050406030204" pitchFamily="18" charset="0"/>
+                        </a:rPr>
+                        <m:t>, </m:t>
+                      </m:r>
+                      <m:sSub>
+                        <m:sSubPr>
+                          <m:ctrlPr>
+                            <a:rPr lang="en-US" sz="2000" i="1" dirty="0" smtClean="0">
+                              <a:latin typeface="Cambria Math" panose="02040503050406030204" pitchFamily="18" charset="0"/>
+                            </a:rPr>
+                          </m:ctrlPr>
+                        </m:sSubPr>
+                        <m:e>
+                          <m:r>
+                            <a:rPr lang="en-US" sz="2000" i="1" dirty="0" smtClean="0">
+                              <a:latin typeface="Cambria Math" panose="02040503050406030204" pitchFamily="18" charset="0"/>
+                            </a:rPr>
+                            <m:t>𝑁</m:t>
+                          </m:r>
+                        </m:e>
+                        <m:sub>
+                          <m:r>
+                            <a:rPr lang="en-US" sz="2000" i="1" dirty="0" smtClean="0">
+                              <a:latin typeface="Cambria Math" panose="02040503050406030204" pitchFamily="18" charset="0"/>
+                            </a:rPr>
+                            <m:t>1</m:t>
+                          </m:r>
+                        </m:sub>
+                      </m:sSub>
+                      <m:r>
+                        <a:rPr lang="en-US" sz="2000" i="1" dirty="0" smtClean="0">
+                          <a:latin typeface="Cambria Math" panose="02040503050406030204" pitchFamily="18" charset="0"/>
+                        </a:rPr>
+                        <m:t>,</m:t>
+                      </m:r>
+                      <m:r>
+                        <a:rPr lang="en-US" sz="2000" i="1" dirty="0" smtClean="0">
+                          <a:latin typeface="Cambria Math" panose="02040503050406030204" pitchFamily="18" charset="0"/>
+                        </a:rPr>
+                        <m:t> </m:t>
+                      </m:r>
+                      <m:r>
+                        <a:rPr lang="en-US" sz="2000" b="0" i="1" dirty="0" smtClean="0">
+                          <a:latin typeface="Cambria Math" panose="02040503050406030204" pitchFamily="18" charset="0"/>
+                        </a:rPr>
+                        <m:t>…</m:t>
+                      </m:r>
+                    </m:oMath>
+                  </m:oMathPara>
+                </a14:m>
+                <a:endParaRPr lang="en-US" sz="2000" dirty="0"/>
+              </a:p>
+              <a:p>
+                <a:r>
+                  <a:rPr lang="en-US" sz="2000" dirty="0"/>
+                  <a:t>Cumulative number events over time </a:t>
+                </a:r>
+              </a:p>
+            </p:txBody>
+          </p:sp>
+        </mc:Choice>
+        <mc:Fallback>
+          <p:sp>
+            <p:nvSpPr>
+              <p:cNvPr id="8" name="TextBox 7">
+                <a:extLst>
+                  <a:ext uri="{FF2B5EF4-FFF2-40B4-BE49-F238E27FC236}">
+                    <a16:creationId xmlns:a16="http://schemas.microsoft.com/office/drawing/2014/main" id="{1DE63BFB-87E9-7236-C2E8-A854BC528EF0}"/>
+                  </a:ext>
+                </a:extLst>
+              </p:cNvPr>
+              <p:cNvSpPr txBox="1">
+                <a:spLocks noRot="1" noChangeAspect="1" noMove="1" noResize="1" noEditPoints="1" noAdjustHandles="1" noChangeArrowheads="1" noChangeShapeType="1" noTextEdit="1"/>
+              </p:cNvSpPr>
+              <p:nvPr/>
+            </p:nvSpPr>
+            <p:spPr>
+              <a:xfrm>
+                <a:off x="1375718" y="3212761"/>
+                <a:ext cx="2920406" cy="1015663"/>
+              </a:xfrm>
+              <a:prstGeom prst="rect">
+                <a:avLst/>
+              </a:prstGeom>
+              <a:blipFill>
+                <a:blip r:embed="rId4"/>
+                <a:stretch>
+                  <a:fillRect l="-2165" b="-8537"/>
+                </a:stretch>
+              </a:blipFill>
+            </p:spPr>
+            <p:txBody>
+              <a:bodyPr/>
+              <a:lstStyle/>
+              <a:p>
+                <a:r>
+                  <a:rPr lang="en-US">
+                    <a:noFill/>
+                  </a:rPr>
+                  <a:t> </a:t>
+                </a:r>
+              </a:p>
+            </p:txBody>
+          </p:sp>
+        </mc:Fallback>
+      </mc:AlternateContent>
+      <p:sp>
+        <p:nvSpPr>
+          <p:cNvPr id="11" name="Left Brace 10">
+            <a:extLst>
+              <a:ext uri="{FF2B5EF4-FFF2-40B4-BE49-F238E27FC236}">
+                <a16:creationId xmlns:a16="http://schemas.microsoft.com/office/drawing/2014/main" id="{0D8C510A-3DB3-8A73-1EBE-5849B34AAB6F}"/>
+              </a:ext>
+            </a:extLst>
+          </p:cNvPr>
+          <p:cNvSpPr/>
+          <p:nvPr/>
+        </p:nvSpPr>
+        <p:spPr>
+          <a:xfrm>
+            <a:off x="5056992" y="1797739"/>
+            <a:ext cx="382795" cy="2945088"/>
+          </a:xfrm>
+          <a:prstGeom prst="leftBrace">
+            <a:avLst/>
+          </a:prstGeom>
+          <a:ln w="19050">
+            <a:solidFill>
+              <a:schemeClr val="tx2"/>
+            </a:solidFill>
+          </a:ln>
+        </p:spPr>
+        <p:style>
+          <a:lnRef idx="1">
+            <a:schemeClr val="accent1"/>
+          </a:lnRef>
+          <a:fillRef idx="0">
+            <a:schemeClr val="accent1"/>
+          </a:fillRef>
+          <a:effectRef idx="0">
+            <a:schemeClr val="accent1"/>
+          </a:effectRef>
+          <a:fontRef idx="minor">
+            <a:schemeClr val="tx1"/>
+          </a:fontRef>
+        </p:style>
+        <p:txBody>
+          <a:bodyPr rtlCol="0" anchor="ctr"/>
+          <a:lstStyle/>
+          <a:p>
+            <a:pPr algn="ctr"/>
+            <a:endParaRPr lang="en-US"/>
+          </a:p>
+        </p:txBody>
+      </p:sp>
+      <mc:AlternateContent xmlns:mc="http://schemas.openxmlformats.org/markup-compatibility/2006">
+        <mc:Choice xmlns:a14="http://schemas.microsoft.com/office/drawing/2010/main" Requires="a14">
+          <p:sp>
+            <p:nvSpPr>
+              <p:cNvPr id="15" name="TextBox 14">
+                <a:extLst>
+                  <a:ext uri="{FF2B5EF4-FFF2-40B4-BE49-F238E27FC236}">
+                    <a16:creationId xmlns:a16="http://schemas.microsoft.com/office/drawing/2014/main" id="{BAB3A784-A9CA-AC4F-834C-294AE0D6652C}"/>
+                  </a:ext>
+                </a:extLst>
+              </p:cNvPr>
+              <p:cNvSpPr txBox="1"/>
+              <p:nvPr/>
+            </p:nvSpPr>
+            <p:spPr>
+              <a:xfrm>
+                <a:off x="6340453" y="6226865"/>
+                <a:ext cx="3638339" cy="400110"/>
+              </a:xfrm>
+              <a:prstGeom prst="rect">
+                <a:avLst/>
+              </a:prstGeom>
+              <a:noFill/>
+            </p:spPr>
+            <p:txBody>
+              <a:bodyPr wrap="square">
+                <a:spAutoFit/>
+              </a:bodyPr>
+              <a:lstStyle/>
+              <a:p>
+                <a14:m>
+                  <m:oMathPara xmlns:m="http://schemas.openxmlformats.org/officeDocument/2006/math">
+                    <m:oMathParaPr>
+                      <m:jc m:val="centerGroup"/>
+                    </m:oMathParaPr>
+                    <m:oMath xmlns:m="http://schemas.openxmlformats.org/officeDocument/2006/math">
+                      <m:sSub>
+                        <m:sSubPr>
+                          <m:ctrlPr>
+                            <a:rPr lang="en-US" sz="2000" b="0" i="1" dirty="0" smtClean="0">
+                              <a:latin typeface="Cambria Math" panose="02040503050406030204" pitchFamily="18" charset="0"/>
+                            </a:rPr>
+                          </m:ctrlPr>
+                        </m:sSubPr>
+                        <m:e>
+                          <m:r>
+                            <a:rPr lang="en-US" sz="2000" b="0" i="1" dirty="0" smtClean="0">
+                              <a:latin typeface="Cambria Math" panose="02040503050406030204" pitchFamily="18" charset="0"/>
+                            </a:rPr>
+                            <m:t>𝑡</m:t>
+                          </m:r>
+                        </m:e>
+                        <m:sub>
+                          <m:r>
+                            <a:rPr lang="en-US" sz="2000" b="0" i="1" dirty="0" smtClean="0">
+                              <a:latin typeface="Cambria Math" panose="02040503050406030204" pitchFamily="18" charset="0"/>
+                            </a:rPr>
+                            <m:t>0</m:t>
+                          </m:r>
+                        </m:sub>
+                      </m:sSub>
+                      <m:r>
+                        <a:rPr lang="en-US" sz="2000" i="1" dirty="0" smtClean="0">
+                          <a:latin typeface="Cambria Math" panose="02040503050406030204" pitchFamily="18" charset="0"/>
+                        </a:rPr>
+                        <m:t>, </m:t>
+                      </m:r>
+                      <m:sSub>
+                        <m:sSubPr>
+                          <m:ctrlPr>
+                            <a:rPr lang="en-US" sz="2000" b="0" i="1" dirty="0" smtClean="0">
+                              <a:latin typeface="Cambria Math" panose="02040503050406030204" pitchFamily="18" charset="0"/>
+                            </a:rPr>
+                          </m:ctrlPr>
+                        </m:sSubPr>
+                        <m:e>
+                          <m:r>
+                            <a:rPr lang="en-US" sz="2000" b="0" i="1" dirty="0" smtClean="0">
+                              <a:latin typeface="Cambria Math" panose="02040503050406030204" pitchFamily="18" charset="0"/>
+                            </a:rPr>
+                            <m:t>𝑡</m:t>
+                          </m:r>
+                        </m:e>
+                        <m:sub>
+                          <m:r>
+                            <a:rPr lang="en-US" sz="2000" b="0" i="1" dirty="0" smtClean="0">
+                              <a:latin typeface="Cambria Math" panose="02040503050406030204" pitchFamily="18" charset="0"/>
+                            </a:rPr>
+                            <m:t>1</m:t>
+                          </m:r>
+                        </m:sub>
+                      </m:sSub>
+                      <m:r>
+                        <a:rPr lang="en-US" sz="2000" b="0" i="1" dirty="0" smtClean="0">
+                          <a:latin typeface="Cambria Math" panose="02040503050406030204" pitchFamily="18" charset="0"/>
+                        </a:rPr>
+                        <m:t>,</m:t>
+                      </m:r>
+                      <m:r>
+                        <a:rPr lang="en-US" sz="2000" i="1" dirty="0" smtClean="0">
+                          <a:latin typeface="Cambria Math" panose="02040503050406030204" pitchFamily="18" charset="0"/>
+                        </a:rPr>
+                        <m:t>…</m:t>
+                      </m:r>
+                    </m:oMath>
+                  </m:oMathPara>
+                </a14:m>
+                <a:endParaRPr lang="en-US" sz="2000" dirty="0"/>
+              </a:p>
+            </p:txBody>
+          </p:sp>
+        </mc:Choice>
+        <mc:Fallback>
+          <p:sp>
+            <p:nvSpPr>
+              <p:cNvPr id="15" name="TextBox 14">
+                <a:extLst>
+                  <a:ext uri="{FF2B5EF4-FFF2-40B4-BE49-F238E27FC236}">
+                    <a16:creationId xmlns:a16="http://schemas.microsoft.com/office/drawing/2014/main" id="{BAB3A784-A9CA-AC4F-834C-294AE0D6652C}"/>
+                  </a:ext>
+                </a:extLst>
+              </p:cNvPr>
+              <p:cNvSpPr txBox="1">
+                <a:spLocks noRot="1" noChangeAspect="1" noMove="1" noResize="1" noEditPoints="1" noAdjustHandles="1" noChangeArrowheads="1" noChangeShapeType="1" noTextEdit="1"/>
+              </p:cNvSpPr>
+              <p:nvPr/>
+            </p:nvSpPr>
+            <p:spPr>
+              <a:xfrm>
+                <a:off x="6340453" y="6226865"/>
+                <a:ext cx="3638339" cy="400110"/>
+              </a:xfrm>
+              <a:prstGeom prst="rect">
+                <a:avLst/>
+              </a:prstGeom>
+              <a:blipFill>
+                <a:blip r:embed="rId5"/>
+                <a:stretch>
+                  <a:fillRect/>
+                </a:stretch>
+              </a:blipFill>
+            </p:spPr>
+            <p:txBody>
+              <a:bodyPr/>
+              <a:lstStyle/>
+              <a:p>
+                <a:r>
+                  <a:rPr lang="en-US">
+                    <a:noFill/>
+                  </a:rPr>
+                  <a:t> </a:t>
+                </a:r>
+              </a:p>
+            </p:txBody>
+          </p:sp>
+        </mc:Fallback>
+      </mc:AlternateContent>
+      <p:sp>
+        <p:nvSpPr>
+          <p:cNvPr id="16" name="Left Brace 15">
+            <a:extLst>
+              <a:ext uri="{FF2B5EF4-FFF2-40B4-BE49-F238E27FC236}">
+                <a16:creationId xmlns:a16="http://schemas.microsoft.com/office/drawing/2014/main" id="{E3763040-C14E-1FAB-F1A3-55F8E0AFFA67}"/>
+              </a:ext>
+            </a:extLst>
+          </p:cNvPr>
+          <p:cNvSpPr/>
+          <p:nvPr/>
+        </p:nvSpPr>
+        <p:spPr>
+          <a:xfrm rot="16200000">
+            <a:off x="8117829" y="3494772"/>
+            <a:ext cx="264540" cy="4141696"/>
+          </a:xfrm>
+          <a:prstGeom prst="leftBrace">
+            <a:avLst/>
+          </a:prstGeom>
+          <a:ln w="19050">
+            <a:solidFill>
+              <a:schemeClr val="tx2"/>
+            </a:solidFill>
+          </a:ln>
+        </p:spPr>
+        <p:style>
+          <a:lnRef idx="1">
+            <a:schemeClr val="accent1"/>
+          </a:lnRef>
+          <a:fillRef idx="0">
+            <a:schemeClr val="accent1"/>
+          </a:fillRef>
+          <a:effectRef idx="0">
+            <a:schemeClr val="accent1"/>
+          </a:effectRef>
+          <a:fontRef idx="minor">
+            <a:schemeClr val="tx1"/>
+          </a:fontRef>
+        </p:style>
+        <p:txBody>
+          <a:bodyPr rtlCol="0" anchor="ctr"/>
+          <a:lstStyle/>
+          <a:p>
+            <a:pPr algn="ctr"/>
+            <a:endParaRPr lang="en-US"/>
+          </a:p>
+        </p:txBody>
+      </p:sp>
+    </p:spTree>
+    <p:extLst>
+      <p:ext uri="{BB962C8B-B14F-4D97-AF65-F5344CB8AC3E}">
+        <p14:creationId xmlns:p14="http://schemas.microsoft.com/office/powerpoint/2010/main" val="1598476364"/>
+      </p:ext>
+    </p:extLst>
+  </p:cSld>
+  <p:clrMapOvr>
+    <a:masterClrMapping/>
+  </p:clrMapOvr>
+</p:sld>
+</file>
+
+<file path=ppt/slides/slide32.xml><?xml version="1.0" encoding="utf-8"?>
 <p:sld xmlns:a="http://schemas.openxmlformats.org/drawingml/2006/main" xmlns:r="http://schemas.openxmlformats.org/officeDocument/2006/relationships" xmlns:p="http://schemas.openxmlformats.org/presentationml/2006/main">
   <p:cSld>
     <p:spTree>
